--- a/RessourcesGraphiques/Accueil.pptx
+++ b/RessourcesGraphiques/Accueil.pptx
@@ -105,6 +105,11 @@
       </a:defRPr>
     </a:lvl9pPr>
   </p:defaultTextStyle>
+  <p:extLst>
+    <p:ext uri="{EFAFB233-063F-42B5-8137-9DF3F51BA10A}">
+      <p15:sldGuideLst xmlns:p15="http://schemas.microsoft.com/office/powerpoint/2012/main"/>
+    </p:ext>
+  </p:extLst>
 </p:presentation>
 </file>
 
@@ -255,7 +260,7 @@
           <a:p>
             <a:fld id="{3252AC61-58F8-4865-AFE1-D9B0D28673AB}" type="datetimeFigureOut">
               <a:rPr lang="fr-FR" smtClean="0"/>
-              <a:t>27/01/2020</a:t>
+              <a:t>31/01/2020</a:t>
             </a:fld>
             <a:endParaRPr lang="fr-FR"/>
           </a:p>
@@ -453,7 +458,7 @@
           <a:p>
             <a:fld id="{3252AC61-58F8-4865-AFE1-D9B0D28673AB}" type="datetimeFigureOut">
               <a:rPr lang="fr-FR" smtClean="0"/>
-              <a:t>27/01/2020</a:t>
+              <a:t>31/01/2020</a:t>
             </a:fld>
             <a:endParaRPr lang="fr-FR"/>
           </a:p>
@@ -661,7 +666,7 @@
           <a:p>
             <a:fld id="{3252AC61-58F8-4865-AFE1-D9B0D28673AB}" type="datetimeFigureOut">
               <a:rPr lang="fr-FR" smtClean="0"/>
-              <a:t>27/01/2020</a:t>
+              <a:t>31/01/2020</a:t>
             </a:fld>
             <a:endParaRPr lang="fr-FR"/>
           </a:p>
@@ -859,7 +864,7 @@
           <a:p>
             <a:fld id="{3252AC61-58F8-4865-AFE1-D9B0D28673AB}" type="datetimeFigureOut">
               <a:rPr lang="fr-FR" smtClean="0"/>
-              <a:t>27/01/2020</a:t>
+              <a:t>31/01/2020</a:t>
             </a:fld>
             <a:endParaRPr lang="fr-FR"/>
           </a:p>
@@ -1134,7 +1139,7 @@
           <a:p>
             <a:fld id="{3252AC61-58F8-4865-AFE1-D9B0D28673AB}" type="datetimeFigureOut">
               <a:rPr lang="fr-FR" smtClean="0"/>
-              <a:t>27/01/2020</a:t>
+              <a:t>31/01/2020</a:t>
             </a:fld>
             <a:endParaRPr lang="fr-FR"/>
           </a:p>
@@ -1399,7 +1404,7 @@
           <a:p>
             <a:fld id="{3252AC61-58F8-4865-AFE1-D9B0D28673AB}" type="datetimeFigureOut">
               <a:rPr lang="fr-FR" smtClean="0"/>
-              <a:t>27/01/2020</a:t>
+              <a:t>31/01/2020</a:t>
             </a:fld>
             <a:endParaRPr lang="fr-FR"/>
           </a:p>
@@ -1811,7 +1816,7 @@
           <a:p>
             <a:fld id="{3252AC61-58F8-4865-AFE1-D9B0D28673AB}" type="datetimeFigureOut">
               <a:rPr lang="fr-FR" smtClean="0"/>
-              <a:t>27/01/2020</a:t>
+              <a:t>31/01/2020</a:t>
             </a:fld>
             <a:endParaRPr lang="fr-FR"/>
           </a:p>
@@ -1952,7 +1957,7 @@
           <a:p>
             <a:fld id="{3252AC61-58F8-4865-AFE1-D9B0D28673AB}" type="datetimeFigureOut">
               <a:rPr lang="fr-FR" smtClean="0"/>
-              <a:t>27/01/2020</a:t>
+              <a:t>31/01/2020</a:t>
             </a:fld>
             <a:endParaRPr lang="fr-FR"/>
           </a:p>
@@ -2065,7 +2070,7 @@
           <a:p>
             <a:fld id="{3252AC61-58F8-4865-AFE1-D9B0D28673AB}" type="datetimeFigureOut">
               <a:rPr lang="fr-FR" smtClean="0"/>
-              <a:t>27/01/2020</a:t>
+              <a:t>31/01/2020</a:t>
             </a:fld>
             <a:endParaRPr lang="fr-FR"/>
           </a:p>
@@ -2376,7 +2381,7 @@
           <a:p>
             <a:fld id="{3252AC61-58F8-4865-AFE1-D9B0D28673AB}" type="datetimeFigureOut">
               <a:rPr lang="fr-FR" smtClean="0"/>
-              <a:t>27/01/2020</a:t>
+              <a:t>31/01/2020</a:t>
             </a:fld>
             <a:endParaRPr lang="fr-FR"/>
           </a:p>
@@ -2664,7 +2669,7 @@
           <a:p>
             <a:fld id="{3252AC61-58F8-4865-AFE1-D9B0D28673AB}" type="datetimeFigureOut">
               <a:rPr lang="fr-FR" smtClean="0"/>
-              <a:t>27/01/2020</a:t>
+              <a:t>31/01/2020</a:t>
             </a:fld>
             <a:endParaRPr lang="fr-FR"/>
           </a:p>
@@ -2905,7 +2910,7 @@
           <a:p>
             <a:fld id="{3252AC61-58F8-4865-AFE1-D9B0D28673AB}" type="datetimeFigureOut">
               <a:rPr lang="fr-FR" smtClean="0"/>
-              <a:t>27/01/2020</a:t>
+              <a:t>31/01/2020</a:t>
             </a:fld>
             <a:endParaRPr lang="fr-FR"/>
           </a:p>
@@ -3349,7 +3354,7 @@
           <a:lstStyle/>
           <a:p>
             <a:r>
-              <a:rPr lang="fr-FR" b="1" spc="50">
+              <a:rPr lang="fr-FR" b="1" spc="50" dirty="0">
                 <a:ln w="0"/>
                 <a:solidFill>
                   <a:schemeClr val="bg2"/>
@@ -3364,19 +3369,6 @@
               </a:rPr>
               <a:t>Kaavalott</a:t>
             </a:r>
-            <a:endParaRPr lang="fr-FR" b="1" spc="50" dirty="0">
-              <a:ln w="0"/>
-              <a:solidFill>
-                <a:schemeClr val="bg2"/>
-              </a:solidFill>
-              <a:effectLst>
-                <a:innerShdw blurRad="63500" dist="50800" dir="13500000">
-                  <a:srgbClr val="000000">
-                    <a:alpha val="50000"/>
-                  </a:srgbClr>
-                </a:innerShdw>
-              </a:effectLst>
-            </a:endParaRPr>
           </a:p>
         </p:txBody>
       </p:sp>
@@ -3855,8 +3847,8 @@
         </p:nvSpPr>
         <p:spPr>
           <a:xfrm>
-            <a:off x="850711" y="5374510"/>
-            <a:ext cx="6331904" cy="1146013"/>
+            <a:off x="850711" y="5809858"/>
+            <a:ext cx="6331904" cy="595294"/>
           </a:xfrm>
         </p:spPr>
         <p:txBody>
@@ -3867,7 +3859,7 @@
           <a:p>
             <a:pPr algn="l"/>
             <a:r>
-              <a:rPr lang="fr-FR" sz="3600" b="1" spc="50" dirty="0" err="1">
+              <a:rPr lang="fr-FR" sz="3600" b="1" spc="50" dirty="0">
                 <a:ln w="0"/>
                 <a:solidFill>
                   <a:srgbClr val="000000"/>
@@ -3882,19 +3874,6 @@
               </a:rPr>
               <a:t>Kaavalott</a:t>
             </a:r>
-            <a:endParaRPr lang="fr-FR" sz="3600" b="1" spc="50" dirty="0">
-              <a:ln w="0"/>
-              <a:solidFill>
-                <a:srgbClr val="000000"/>
-              </a:solidFill>
-              <a:effectLst>
-                <a:innerShdw blurRad="63500" dist="50800" dir="13500000">
-                  <a:srgbClr val="000000">
-                    <a:alpha val="50000"/>
-                  </a:srgbClr>
-                </a:innerShdw>
-              </a:effectLst>
-            </a:endParaRPr>
           </a:p>
         </p:txBody>
       </p:sp>
@@ -3916,8 +3895,8 @@
         </p:nvSpPr>
         <p:spPr>
           <a:xfrm>
-            <a:off x="855217" y="4366630"/>
-            <a:ext cx="5946202" cy="805978"/>
+            <a:off x="850711" y="4257866"/>
+            <a:ext cx="5946202" cy="1349689"/>
           </a:xfrm>
         </p:spPr>
         <p:txBody>
@@ -3941,12 +3920,9 @@
                   </a:innerShdw>
                 </a:effectLst>
               </a:rPr>
-              <a:t>Berthier Nicolas – nicolas.berthier@etuparisdescartes.fr</a:t>
-            </a:r>
-          </a:p>
-          <a:p>
-            <a:pPr algn="l"/>
-            <a:r>
+              <a:t>BERTHIER Nicolas </a:t>
+            </a:r>
+            <a:br>
               <a:rPr lang="fr-FR" sz="1400" b="1" spc="50" dirty="0">
                 <a:ln w="0"/>
                 <a:solidFill>
@@ -3960,7 +3936,231 @@
                   </a:innerShdw>
                 </a:effectLst>
               </a:rPr>
-              <a:t>Jallais Adrien – adrien.jallais@etuparisdescartes.fr</a:t>
+            </a:br>
+            <a:r>
+              <a:rPr lang="fr-FR" sz="1400" b="1" spc="50" dirty="0">
+                <a:ln w="0"/>
+                <a:solidFill>
+                  <a:srgbClr val="000000"/>
+                </a:solidFill>
+                <a:effectLst>
+                  <a:innerShdw blurRad="63500" dist="50800" dir="13500000">
+                    <a:srgbClr val="000000">
+                      <a:alpha val="50000"/>
+                    </a:srgbClr>
+                  </a:innerShdw>
+                </a:effectLst>
+              </a:rPr>
+              <a:t>	– </a:t>
+            </a:r>
+            <a:r>
+              <a:rPr lang="fr-FR" sz="1400" b="1" spc="50" dirty="0">
+                <a:ln w="0"/>
+                <a:solidFill>
+                  <a:srgbClr val="000000"/>
+                </a:solidFill>
+                <a:effectLst>
+                  <a:innerShdw blurRad="63500" dist="50800" dir="13500000">
+                    <a:srgbClr val="000000">
+                      <a:alpha val="50000"/>
+                    </a:srgbClr>
+                  </a:innerShdw>
+                </a:effectLst>
+                <a:hlinkClick r:id="rId3"/>
+              </a:rPr>
+              <a:t>nicolas.berthier@etu.parisdescartes.fr</a:t>
+            </a:r>
+            <a:br>
+              <a:rPr lang="fr-FR" sz="1400" b="1" spc="50" dirty="0">
+                <a:ln w="0"/>
+                <a:solidFill>
+                  <a:srgbClr val="000000"/>
+                </a:solidFill>
+                <a:effectLst>
+                  <a:innerShdw blurRad="63500" dist="50800" dir="13500000">
+                    <a:srgbClr val="000000">
+                      <a:alpha val="50000"/>
+                    </a:srgbClr>
+                  </a:innerShdw>
+                </a:effectLst>
+              </a:rPr>
+            </a:br>
+            <a:r>
+              <a:rPr lang="fr-FR" sz="1400" b="1" spc="50" dirty="0">
+                <a:ln w="0"/>
+                <a:solidFill>
+                  <a:srgbClr val="000000"/>
+                </a:solidFill>
+                <a:effectLst>
+                  <a:innerShdw blurRad="63500" dist="50800" dir="13500000">
+                    <a:srgbClr val="000000">
+                      <a:alpha val="50000"/>
+                    </a:srgbClr>
+                  </a:innerShdw>
+                </a:effectLst>
+              </a:rPr>
+              <a:t>	– </a:t>
+            </a:r>
+            <a:r>
+              <a:rPr lang="fr-FR" sz="1400" b="1" spc="50" dirty="0">
+                <a:ln w="0"/>
+                <a:solidFill>
+                  <a:srgbClr val="000000"/>
+                </a:solidFill>
+                <a:effectLst>
+                  <a:innerShdw blurRad="63500" dist="50800" dir="13500000">
+                    <a:srgbClr val="000000">
+                      <a:alpha val="50000"/>
+                    </a:srgbClr>
+                  </a:innerShdw>
+                </a:effectLst>
+                <a:hlinkClick r:id="rId4"/>
+              </a:rPr>
+              <a:t>nicolas.berthier@orange.fr</a:t>
+            </a:r>
+            <a:endParaRPr lang="fr-FR" sz="1400" b="1" spc="50" dirty="0">
+              <a:ln w="0"/>
+              <a:solidFill>
+                <a:srgbClr val="000000"/>
+              </a:solidFill>
+              <a:effectLst>
+                <a:innerShdw blurRad="63500" dist="50800" dir="13500000">
+                  <a:srgbClr val="000000">
+                    <a:alpha val="50000"/>
+                  </a:srgbClr>
+                </a:innerShdw>
+              </a:effectLst>
+            </a:endParaRPr>
+          </a:p>
+          <a:p>
+            <a:pPr algn="l"/>
+            <a:r>
+              <a:rPr lang="fr-FR" sz="1400" b="1" spc="50" dirty="0">
+                <a:ln w="0"/>
+                <a:solidFill>
+                  <a:srgbClr val="000000"/>
+                </a:solidFill>
+                <a:effectLst>
+                  <a:innerShdw blurRad="63500" dist="50800" dir="13500000">
+                    <a:srgbClr val="000000">
+                      <a:alpha val="50000"/>
+                    </a:srgbClr>
+                  </a:innerShdw>
+                </a:effectLst>
+              </a:rPr>
+              <a:t>JALLAIS Adrien </a:t>
+            </a:r>
+            <a:br>
+              <a:rPr lang="fr-FR" sz="1400" b="1" spc="50" dirty="0">
+                <a:ln w="0"/>
+                <a:solidFill>
+                  <a:srgbClr val="000000"/>
+                </a:solidFill>
+                <a:effectLst>
+                  <a:innerShdw blurRad="63500" dist="50800" dir="13500000">
+                    <a:srgbClr val="000000">
+                      <a:alpha val="50000"/>
+                    </a:srgbClr>
+                  </a:innerShdw>
+                </a:effectLst>
+              </a:rPr>
+            </a:br>
+            <a:r>
+              <a:rPr lang="fr-FR" sz="1400" b="1" spc="50" dirty="0">
+                <a:ln w="0"/>
+                <a:solidFill>
+                  <a:srgbClr val="000000"/>
+                </a:solidFill>
+                <a:effectLst>
+                  <a:innerShdw blurRad="63500" dist="50800" dir="13500000">
+                    <a:srgbClr val="000000">
+                      <a:alpha val="50000"/>
+                    </a:srgbClr>
+                  </a:innerShdw>
+                </a:effectLst>
+              </a:rPr>
+              <a:t>	– </a:t>
+            </a:r>
+            <a:r>
+              <a:rPr lang="fr-FR" sz="1400" b="1" spc="50" dirty="0">
+                <a:ln w="0"/>
+                <a:solidFill>
+                  <a:srgbClr val="000000"/>
+                </a:solidFill>
+                <a:effectLst>
+                  <a:innerShdw blurRad="63500" dist="50800" dir="13500000">
+                    <a:srgbClr val="000000">
+                      <a:alpha val="50000"/>
+                    </a:srgbClr>
+                  </a:innerShdw>
+                </a:effectLst>
+                <a:hlinkClick r:id="rId5"/>
+              </a:rPr>
+              <a:t>adrien.jallais@etu.parisdescartes.fr</a:t>
+            </a:r>
+            <a:br>
+              <a:rPr lang="fr-FR" sz="1400" b="1" spc="50" dirty="0">
+                <a:ln w="0"/>
+                <a:solidFill>
+                  <a:srgbClr val="000000"/>
+                </a:solidFill>
+                <a:effectLst>
+                  <a:innerShdw blurRad="63500" dist="50800" dir="13500000">
+                    <a:srgbClr val="000000">
+                      <a:alpha val="50000"/>
+                    </a:srgbClr>
+                  </a:innerShdw>
+                </a:effectLst>
+              </a:rPr>
+            </a:br>
+            <a:r>
+              <a:rPr lang="fr-FR" sz="1400" b="1" spc="50" dirty="0">
+                <a:ln w="0"/>
+                <a:solidFill>
+                  <a:srgbClr val="000000"/>
+                </a:solidFill>
+                <a:effectLst>
+                  <a:innerShdw blurRad="63500" dist="50800" dir="13500000">
+                    <a:srgbClr val="000000">
+                      <a:alpha val="50000"/>
+                    </a:srgbClr>
+                  </a:innerShdw>
+                </a:effectLst>
+              </a:rPr>
+              <a:t>	– </a:t>
+            </a:r>
+            <a:r>
+              <a:rPr lang="fr-FR" sz="1400" b="1" spc="50" dirty="0">
+                <a:ln w="0"/>
+                <a:solidFill>
+                  <a:srgbClr val="000000"/>
+                </a:solidFill>
+                <a:effectLst>
+                  <a:innerShdw blurRad="63500" dist="50800" dir="13500000">
+                    <a:srgbClr val="000000">
+                      <a:alpha val="50000"/>
+                    </a:srgbClr>
+                  </a:innerShdw>
+                </a:effectLst>
+                <a:hlinkClick r:id="rId6"/>
+              </a:rPr>
+              <a:t>adrien.jallais@protonmail.com</a:t>
+            </a:r>
+            <a:r>
+              <a:rPr lang="fr-FR" sz="1400" b="1" spc="50" dirty="0">
+                <a:ln w="0"/>
+                <a:solidFill>
+                  <a:srgbClr val="000000"/>
+                </a:solidFill>
+                <a:effectLst>
+                  <a:innerShdw blurRad="63500" dist="50800" dir="13500000">
+                    <a:srgbClr val="000000">
+                      <a:alpha val="50000"/>
+                    </a:srgbClr>
+                  </a:innerShdw>
+                </a:effectLst>
+              </a:rPr>
+              <a:t> </a:t>
             </a:r>
           </a:p>
         </p:txBody>
@@ -4144,7 +4344,7 @@
           <p:nvPr/>
         </p:nvPicPr>
         <p:blipFill>
-          <a:blip r:embed="rId3">
+          <a:blip r:embed="rId7">
             <a:extLst>
               <a:ext uri="{28A0092B-C50C-407E-A947-70E740481C1C}">
                 <a14:useLocalDpi xmlns:a14="http://schemas.microsoft.com/office/drawing/2010/main" val="0"/>
@@ -4518,7 +4718,7 @@
           <p:nvPr/>
         </p:nvPicPr>
         <p:blipFill>
-          <a:blip r:embed="rId4">
+          <a:blip r:embed="rId8">
             <a:extLst>
               <a:ext uri="{28A0092B-C50C-407E-A947-70E740481C1C}">
                 <a14:useLocalDpi xmlns:a14="http://schemas.microsoft.com/office/drawing/2010/main" val="0"/>
@@ -4554,7 +4754,7 @@
           <p:nvPr/>
         </p:nvPicPr>
         <p:blipFill>
-          <a:blip r:embed="rId5">
+          <a:blip r:embed="rId9">
             <a:extLst>
               <a:ext uri="{28A0092B-C50C-407E-A947-70E740481C1C}">
                 <a14:useLocalDpi xmlns:a14="http://schemas.microsoft.com/office/drawing/2010/main" val="0"/>
@@ -4575,6 +4775,53 @@
           </a:prstGeom>
         </p:spPr>
       </p:pic>
+      <p:sp>
+        <p:nvSpPr>
+          <p:cNvPr id="4" name="ZoneTexte 3">
+            <a:extLst>
+              <a:ext uri="{FF2B5EF4-FFF2-40B4-BE49-F238E27FC236}">
+                <a16:creationId xmlns:a16="http://schemas.microsoft.com/office/drawing/2014/main" id="{167F7F3B-EEC3-4450-B629-8C6713E349DA}"/>
+              </a:ext>
+            </a:extLst>
+          </p:cNvPr>
+          <p:cNvSpPr txBox="1"/>
+          <p:nvPr/>
+        </p:nvSpPr>
+        <p:spPr>
+          <a:xfrm>
+            <a:off x="3011254" y="6293761"/>
+            <a:ext cx="3084746" cy="276999"/>
+          </a:xfrm>
+          <a:prstGeom prst="rect">
+            <a:avLst/>
+          </a:prstGeom>
+          <a:noFill/>
+        </p:spPr>
+        <p:txBody>
+          <a:bodyPr wrap="square" rtlCol="0">
+            <a:spAutoFit/>
+          </a:bodyPr>
+          <a:lstStyle/>
+          <a:p>
+            <a:r>
+              <a:rPr lang="fr-FR" sz="1200" b="1" spc="50" dirty="0">
+                <a:ln w="0"/>
+                <a:solidFill>
+                  <a:srgbClr val="000000"/>
+                </a:solidFill>
+                <a:effectLst>
+                  <a:innerShdw blurRad="63500" dist="50800" dir="13500000">
+                    <a:srgbClr val="000000">
+                      <a:alpha val="50000"/>
+                    </a:srgbClr>
+                  </a:innerShdw>
+                </a:effectLst>
+              </a:rPr>
+              <a:t>Professeur référent : FOUGHALI Karim.</a:t>
+            </a:r>
+          </a:p>
+        </p:txBody>
+      </p:sp>
     </p:spTree>
     <p:extLst>
       <p:ext uri="{BB962C8B-B14F-4D97-AF65-F5344CB8AC3E}">
